--- a/week14/Lecture14.pptx
+++ b/week14/Lecture14.pptx
@@ -218,7 +218,7 @@
           <a:p>
             <a:fld id="{634F3F22-B4BB-3F48-9180-464A9F2D66D1}" type="datetimeFigureOut">
               <a:rPr kumimoji="1" lang="zh-CN" altLang="en-US" smtClean="0"/>
-              <a:t>2021/12/11</a:t>
+              <a:t>2021/12/13</a:t>
             </a:fld>
             <a:endParaRPr kumimoji="1" lang="zh-CN" altLang="en-US"/>
           </a:p>
@@ -698,7 +698,7 @@
           <a:p>
             <a:fld id="{FC19A4FA-3D9A-4114-B0D5-759CBD56F1AB}" type="datetimeFigureOut">
               <a:rPr lang="zh-CN" altLang="en-US" smtClean="0"/>
-              <a:t>2021/12/11</a:t>
+              <a:t>2021/12/13</a:t>
             </a:fld>
             <a:endParaRPr lang="zh-CN" altLang="en-US"/>
           </a:p>
@@ -901,7 +901,7 @@
           <a:p>
             <a:fld id="{FC19A4FA-3D9A-4114-B0D5-759CBD56F1AB}" type="datetimeFigureOut">
               <a:rPr lang="zh-CN" altLang="en-US" smtClean="0"/>
-              <a:t>2021/12/11</a:t>
+              <a:t>2021/12/13</a:t>
             </a:fld>
             <a:endParaRPr lang="zh-CN" altLang="en-US"/>
           </a:p>
@@ -1079,7 +1079,7 @@
           <a:p>
             <a:fld id="{FC19A4FA-3D9A-4114-B0D5-759CBD56F1AB}" type="datetimeFigureOut">
               <a:rPr lang="zh-CN" altLang="en-US" smtClean="0"/>
-              <a:t>2021/12/11</a:t>
+              <a:t>2021/12/13</a:t>
             </a:fld>
             <a:endParaRPr lang="zh-CN" altLang="en-US"/>
           </a:p>
@@ -1303,7 +1303,7 @@
           <a:p>
             <a:fld id="{FC19A4FA-3D9A-4114-B0D5-759CBD56F1AB}" type="datetimeFigureOut">
               <a:rPr lang="zh-CN" altLang="en-US" smtClean="0"/>
-              <a:t>2021/12/11</a:t>
+              <a:t>2021/12/13</a:t>
             </a:fld>
             <a:endParaRPr lang="zh-CN" altLang="en-US"/>
           </a:p>
@@ -1537,7 +1537,7 @@
           <a:p>
             <a:fld id="{FC19A4FA-3D9A-4114-B0D5-759CBD56F1AB}" type="datetimeFigureOut">
               <a:rPr lang="zh-CN" altLang="en-US" smtClean="0"/>
-              <a:t>2021/12/11</a:t>
+              <a:t>2021/12/13</a:t>
             </a:fld>
             <a:endParaRPr lang="zh-CN" altLang="en-US"/>
           </a:p>
@@ -1936,7 +1936,7 @@
           <a:p>
             <a:fld id="{FC19A4FA-3D9A-4114-B0D5-759CBD56F1AB}" type="datetimeFigureOut">
               <a:rPr lang="zh-CN" altLang="en-US" smtClean="0"/>
-              <a:t>2021/12/11</a:t>
+              <a:t>2021/12/13</a:t>
             </a:fld>
             <a:endParaRPr lang="zh-CN" altLang="en-US"/>
           </a:p>
@@ -2216,7 +2216,7 @@
           <a:p>
             <a:fld id="{FC19A4FA-3D9A-4114-B0D5-759CBD56F1AB}" type="datetimeFigureOut">
               <a:rPr lang="zh-CN" altLang="en-US" smtClean="0"/>
-              <a:t>2021/12/11</a:t>
+              <a:t>2021/12/13</a:t>
             </a:fld>
             <a:endParaRPr lang="zh-CN" altLang="en-US"/>
           </a:p>
@@ -2368,7 +2368,7 @@
           <a:p>
             <a:fld id="{FC19A4FA-3D9A-4114-B0D5-759CBD56F1AB}" type="datetimeFigureOut">
               <a:rPr lang="zh-CN" altLang="en-US" smtClean="0"/>
-              <a:t>2021/12/11</a:t>
+              <a:t>2021/12/13</a:t>
             </a:fld>
             <a:endParaRPr lang="zh-CN" altLang="en-US"/>
           </a:p>
@@ -2498,7 +2498,7 @@
           <a:p>
             <a:fld id="{FC19A4FA-3D9A-4114-B0D5-759CBD56F1AB}" type="datetimeFigureOut">
               <a:rPr lang="zh-CN" altLang="en-US" smtClean="0"/>
-              <a:t>2021/12/11</a:t>
+              <a:t>2021/12/13</a:t>
             </a:fld>
             <a:endParaRPr lang="zh-CN" altLang="en-US"/>
           </a:p>
@@ -2808,7 +2808,7 @@
           <a:p>
             <a:fld id="{FC19A4FA-3D9A-4114-B0D5-759CBD56F1AB}" type="datetimeFigureOut">
               <a:rPr lang="zh-CN" altLang="en-US" smtClean="0"/>
-              <a:t>2021/12/11</a:t>
+              <a:t>2021/12/13</a:t>
             </a:fld>
             <a:endParaRPr lang="zh-CN" altLang="en-US"/>
           </a:p>
@@ -3095,7 +3095,7 @@
           <a:p>
             <a:fld id="{FC19A4FA-3D9A-4114-B0D5-759CBD56F1AB}" type="datetimeFigureOut">
               <a:rPr lang="zh-CN" altLang="en-US" smtClean="0"/>
-              <a:t>2021/12/11</a:t>
+              <a:t>2021/12/13</a:t>
             </a:fld>
             <a:endParaRPr lang="zh-CN" altLang="en-US"/>
           </a:p>
@@ -3388,7 +3388,7 @@
           <a:p>
             <a:fld id="{FC19A4FA-3D9A-4114-B0D5-759CBD56F1AB}" type="datetimeFigureOut">
               <a:rPr lang="zh-CN" altLang="en-US" smtClean="0"/>
-              <a:t>2021/12/11</a:t>
+              <a:t>2021/12/13</a:t>
             </a:fld>
             <a:endParaRPr lang="zh-CN" altLang="en-US"/>
           </a:p>
@@ -4051,6 +4051,12 @@
           <a:lstStyle/>
           <a:p>
             <a:r>
+              <a:rPr kumimoji="1" lang="en-US" altLang="zh-CN" dirty="0"/>
+              <a:t>Many applications define their own assert macros.</a:t>
+            </a:r>
+          </a:p>
+          <a:p>
+            <a:r>
               <a:rPr kumimoji="1" lang="en-US" altLang="zh-CN" dirty="0" err="1"/>
               <a:t>CV_Assert</a:t>
             </a:r>
@@ -4088,7 +4094,7 @@
         </p:nvSpPr>
         <p:spPr>
           <a:xfrm>
-            <a:off x="212272" y="2404293"/>
+            <a:off x="212272" y="2794376"/>
             <a:ext cx="11979728" cy="646331"/>
           </a:xfrm>
           <a:prstGeom prst="rect">
@@ -4421,7 +4427,7 @@
         </p:blipFill>
         <p:spPr>
           <a:xfrm>
-            <a:off x="1006928" y="3918470"/>
+            <a:off x="1264835" y="4457967"/>
             <a:ext cx="4035724" cy="2400033"/>
           </a:xfrm>
           <a:prstGeom prst="rect">
@@ -4900,7 +4906,7 @@
                 </a:solidFill>
                 <a:latin typeface="Menlo" panose="020B0609030804020204" pitchFamily="49" charset="0"/>
               </a:rPr>
-              <a:t>"The two arguments are too close."</a:t>
+              <a:t>"Error ..."</a:t>
             </a:r>
             <a:r>
               <a:rPr lang="en" altLang="zh-CN" dirty="0">
@@ -5902,16 +5908,16 @@
                 </a:solidFill>
                 <a:latin typeface="Menlo" panose="020B0609030804020204" pitchFamily="49" charset="0"/>
               </a:rPr>
-              <a:t>"The two arguments are too close."</a:t>
-            </a:r>
-            <a:r>
-              <a:rPr lang="en" altLang="zh-CN" dirty="0">
-                <a:solidFill>
-                  <a:srgbClr val="000000"/>
-                </a:solidFill>
-                <a:latin typeface="Menlo" panose="020B0609030804020204" pitchFamily="49" charset="0"/>
-              </a:rPr>
-              <a:t> &lt;&lt; </a:t>
+              <a:t>"Error ..." </a:t>
+            </a:r>
+            <a:r>
+              <a:rPr lang="en" altLang="zh-CN" dirty="0">
+                <a:solidFill>
+                  <a:srgbClr val="000000"/>
+                </a:solidFill>
+                <a:latin typeface="Menlo" panose="020B0609030804020204" pitchFamily="49" charset="0"/>
+              </a:rPr>
+              <a:t>&lt;&lt; </a:t>
             </a:r>
             <a:r>
               <a:rPr lang="en" altLang="zh-CN" dirty="0">
@@ -6638,7 +6644,7 @@
                 </a:solidFill>
                 <a:latin typeface="Menlo" panose="020B0609030804020204" pitchFamily="49" charset="0"/>
               </a:rPr>
-              <a:t>"The two arguments are too close."</a:t>
+              <a:t>"Error ..."</a:t>
             </a:r>
             <a:r>
               <a:rPr lang="en" altLang="zh-CN" dirty="0">
@@ -7966,7 +7972,7 @@
                 </a:solidFill>
                 <a:latin typeface="Menlo" panose="020B0609030804020204" pitchFamily="49" charset="0"/>
               </a:rPr>
-              <a:t>"The two arguments are too close."</a:t>
+              <a:t>"Error ..."</a:t>
             </a:r>
             <a:r>
               <a:rPr lang="en" altLang="zh-CN" dirty="0">
@@ -9100,7 +9106,7 @@
                 </a:solidFill>
                 <a:latin typeface="Menlo" panose="020B0609030804020204" pitchFamily="49" charset="0"/>
               </a:rPr>
-              <a:t>"The two arguments are too close."</a:t>
+              <a:t>"Error ..."</a:t>
             </a:r>
             <a:r>
               <a:rPr lang="en" altLang="zh-CN" dirty="0">
@@ -11567,16 +11573,22 @@
             </a:r>
             <a:r>
               <a:rPr kumimoji="1" lang="en-US" altLang="zh-CN" dirty="0" err="1">
-                <a:latin typeface="+mn-lt"/>
-                <a:ea typeface="+mn-ea"/>
-                <a:cs typeface="+mn-cs"/>
-              </a:rPr>
-              <a:t>Noexcept</a:t>
+                <a:solidFill>
+                  <a:srgbClr val="0000CC"/>
+                </a:solidFill>
+                <a:latin typeface="Menlo" panose="020B0609030804020204" pitchFamily="49" charset="0"/>
+                <a:ea typeface="Menlo" panose="020B0609030804020204" pitchFamily="49" charset="0"/>
+                <a:cs typeface="Menlo" panose="020B0609030804020204" pitchFamily="49" charset="0"/>
+              </a:rPr>
+              <a:t>noexcept</a:t>
             </a:r>
             <a:endParaRPr kumimoji="1" lang="zh-CN" altLang="en-US" dirty="0">
-              <a:latin typeface="+mn-lt"/>
+              <a:solidFill>
+                <a:srgbClr val="0000CC"/>
+              </a:solidFill>
+              <a:latin typeface="Menlo" panose="020B0609030804020204" pitchFamily="49" charset="0"/>
               <a:ea typeface="+mn-ea"/>
-              <a:cs typeface="+mn-cs"/>
+              <a:cs typeface="Menlo" panose="020B0609030804020204" pitchFamily="49" charset="0"/>
             </a:endParaRPr>
           </a:p>
         </p:txBody>
@@ -11833,8 +11845,12 @@
           <a:lstStyle/>
           <a:p>
             <a:r>
+              <a:rPr kumimoji="1" lang="en-US" altLang="zh-CN"/>
+              <a:t>std</a:t>
+            </a:r>
+            <a:r>
               <a:rPr kumimoji="1" lang="en-US" altLang="zh-CN" dirty="0"/>
-              <a:t>Std::</a:t>
+              <a:t>::</a:t>
             </a:r>
             <a:r>
               <a:rPr kumimoji="1" lang="en-US" altLang="zh-CN" dirty="0" err="1"/>
@@ -11842,7 +11858,7 @@
             </a:r>
             <a:r>
               <a:rPr kumimoji="1" lang="en-US" altLang="zh-CN" dirty="0"/>
-              <a:t> is a constant to select an non-throwing allocation function</a:t>
+              <a:t> is a constant to select a non-throwing allocation function</a:t>
             </a:r>
             <a:endParaRPr kumimoji="1" lang="zh-CN" altLang="en-US" dirty="0"/>
           </a:p>
@@ -12787,8 +12803,8 @@
         </p:blipFill>
         <p:spPr>
           <a:xfrm>
-            <a:off x="6520665" y="974951"/>
-            <a:ext cx="5371413" cy="3286807"/>
+            <a:off x="5982118" y="974951"/>
+            <a:ext cx="6083313" cy="3722424"/>
           </a:xfrm>
           <a:prstGeom prst="rect">
             <a:avLst/>
@@ -14899,7 +14915,7 @@
             </a:pPr>
             <a:r>
               <a:rPr kumimoji="1" lang="en-US" altLang="zh-CN" sz="2800" dirty="0"/>
-              <a:t>assert can be used only for debugging, be removed before releasing by a macro NDEBUG.</a:t>
+              <a:t>assert can be used only for debugging, be removed by a macro NDEBUG before releasing.</a:t>
             </a:r>
             <a:endParaRPr kumimoji="1" lang="zh-CN" altLang="en-US" sz="2800" dirty="0"/>
           </a:p>

--- a/week14/Lecture14.pptx
+++ b/week14/Lecture14.pptx
@@ -218,7 +218,7 @@
           <a:p>
             <a:fld id="{634F3F22-B4BB-3F48-9180-464A9F2D66D1}" type="datetimeFigureOut">
               <a:rPr kumimoji="1" lang="zh-CN" altLang="en-US" smtClean="0"/>
-              <a:t>2021/12/13</a:t>
+              <a:t>2021/12/14</a:t>
             </a:fld>
             <a:endParaRPr kumimoji="1" lang="zh-CN" altLang="en-US"/>
           </a:p>
@@ -698,7 +698,7 @@
           <a:p>
             <a:fld id="{FC19A4FA-3D9A-4114-B0D5-759CBD56F1AB}" type="datetimeFigureOut">
               <a:rPr lang="zh-CN" altLang="en-US" smtClean="0"/>
-              <a:t>2021/12/13</a:t>
+              <a:t>2021/12/14</a:t>
             </a:fld>
             <a:endParaRPr lang="zh-CN" altLang="en-US"/>
           </a:p>
@@ -901,7 +901,7 @@
           <a:p>
             <a:fld id="{FC19A4FA-3D9A-4114-B0D5-759CBD56F1AB}" type="datetimeFigureOut">
               <a:rPr lang="zh-CN" altLang="en-US" smtClean="0"/>
-              <a:t>2021/12/13</a:t>
+              <a:t>2021/12/14</a:t>
             </a:fld>
             <a:endParaRPr lang="zh-CN" altLang="en-US"/>
           </a:p>
@@ -1079,7 +1079,7 @@
           <a:p>
             <a:fld id="{FC19A4FA-3D9A-4114-B0D5-759CBD56F1AB}" type="datetimeFigureOut">
               <a:rPr lang="zh-CN" altLang="en-US" smtClean="0"/>
-              <a:t>2021/12/13</a:t>
+              <a:t>2021/12/14</a:t>
             </a:fld>
             <a:endParaRPr lang="zh-CN" altLang="en-US"/>
           </a:p>
@@ -1303,7 +1303,7 @@
           <a:p>
             <a:fld id="{FC19A4FA-3D9A-4114-B0D5-759CBD56F1AB}" type="datetimeFigureOut">
               <a:rPr lang="zh-CN" altLang="en-US" smtClean="0"/>
-              <a:t>2021/12/13</a:t>
+              <a:t>2021/12/14</a:t>
             </a:fld>
             <a:endParaRPr lang="zh-CN" altLang="en-US"/>
           </a:p>
@@ -1537,7 +1537,7 @@
           <a:p>
             <a:fld id="{FC19A4FA-3D9A-4114-B0D5-759CBD56F1AB}" type="datetimeFigureOut">
               <a:rPr lang="zh-CN" altLang="en-US" smtClean="0"/>
-              <a:t>2021/12/13</a:t>
+              <a:t>2021/12/14</a:t>
             </a:fld>
             <a:endParaRPr lang="zh-CN" altLang="en-US"/>
           </a:p>
@@ -1936,7 +1936,7 @@
           <a:p>
             <a:fld id="{FC19A4FA-3D9A-4114-B0D5-759CBD56F1AB}" type="datetimeFigureOut">
               <a:rPr lang="zh-CN" altLang="en-US" smtClean="0"/>
-              <a:t>2021/12/13</a:t>
+              <a:t>2021/12/14</a:t>
             </a:fld>
             <a:endParaRPr lang="zh-CN" altLang="en-US"/>
           </a:p>
@@ -2216,7 +2216,7 @@
           <a:p>
             <a:fld id="{FC19A4FA-3D9A-4114-B0D5-759CBD56F1AB}" type="datetimeFigureOut">
               <a:rPr lang="zh-CN" altLang="en-US" smtClean="0"/>
-              <a:t>2021/12/13</a:t>
+              <a:t>2021/12/14</a:t>
             </a:fld>
             <a:endParaRPr lang="zh-CN" altLang="en-US"/>
           </a:p>
@@ -2368,7 +2368,7 @@
           <a:p>
             <a:fld id="{FC19A4FA-3D9A-4114-B0D5-759CBD56F1AB}" type="datetimeFigureOut">
               <a:rPr lang="zh-CN" altLang="en-US" smtClean="0"/>
-              <a:t>2021/12/13</a:t>
+              <a:t>2021/12/14</a:t>
             </a:fld>
             <a:endParaRPr lang="zh-CN" altLang="en-US"/>
           </a:p>
@@ -2498,7 +2498,7 @@
           <a:p>
             <a:fld id="{FC19A4FA-3D9A-4114-B0D5-759CBD56F1AB}" type="datetimeFigureOut">
               <a:rPr lang="zh-CN" altLang="en-US" smtClean="0"/>
-              <a:t>2021/12/13</a:t>
+              <a:t>2021/12/14</a:t>
             </a:fld>
             <a:endParaRPr lang="zh-CN" altLang="en-US"/>
           </a:p>
@@ -2808,7 +2808,7 @@
           <a:p>
             <a:fld id="{FC19A4FA-3D9A-4114-B0D5-759CBD56F1AB}" type="datetimeFigureOut">
               <a:rPr lang="zh-CN" altLang="en-US" smtClean="0"/>
-              <a:t>2021/12/13</a:t>
+              <a:t>2021/12/14</a:t>
             </a:fld>
             <a:endParaRPr lang="zh-CN" altLang="en-US"/>
           </a:p>
@@ -3095,7 +3095,7 @@
           <a:p>
             <a:fld id="{FC19A4FA-3D9A-4114-B0D5-759CBD56F1AB}" type="datetimeFigureOut">
               <a:rPr lang="zh-CN" altLang="en-US" smtClean="0"/>
-              <a:t>2021/12/13</a:t>
+              <a:t>2021/12/14</a:t>
             </a:fld>
             <a:endParaRPr lang="zh-CN" altLang="en-US"/>
           </a:p>
@@ -3388,7 +3388,7 @@
           <a:p>
             <a:fld id="{FC19A4FA-3D9A-4114-B0D5-759CBD56F1AB}" type="datetimeFigureOut">
               <a:rPr lang="zh-CN" altLang="en-US" smtClean="0"/>
-              <a:t>2021/12/13</a:t>
+              <a:t>2021/12/14</a:t>
             </a:fld>
             <a:endParaRPr lang="zh-CN" altLang="en-US"/>
           </a:p>
@@ -4812,7 +4812,7 @@
                 </a:solidFill>
                 <a:latin typeface="Menlo" panose="020B0609030804020204" pitchFamily="49" charset="0"/>
               </a:rPr>
-              <a:t> - </a:t>
+              <a:t> + </a:t>
             </a:r>
             <a:r>
               <a:rPr lang="en" altLang="zh-CN" dirty="0">
@@ -5814,7 +5814,7 @@
                 </a:solidFill>
                 <a:latin typeface="Menlo" panose="020B0609030804020204" pitchFamily="49" charset="0"/>
               </a:rPr>
-              <a:t> - </a:t>
+              <a:t> + </a:t>
             </a:r>
             <a:r>
               <a:rPr lang="en" altLang="zh-CN" dirty="0">
@@ -6579,7 +6579,7 @@
                 </a:solidFill>
                 <a:latin typeface="Menlo" panose="020B0609030804020204" pitchFamily="49" charset="0"/>
               </a:rPr>
-              <a:t> - </a:t>
+              <a:t> + </a:t>
             </a:r>
             <a:r>
               <a:rPr lang="en" altLang="zh-CN" dirty="0">
@@ -7892,7 +7892,7 @@
               <a:t>(</a:t>
             </a:r>
             <a:r>
-              <a:rPr lang="en" altLang="zh-CN" dirty="0">
+              <a:rPr lang="en" altLang="zh-CN">
                 <a:solidFill>
                   <a:srgbClr val="001080"/>
                 </a:solidFill>
@@ -7901,13 +7901,13 @@
               <a:t>a</a:t>
             </a:r>
             <a:r>
-              <a:rPr lang="en" altLang="zh-CN" dirty="0">
-                <a:solidFill>
-                  <a:srgbClr val="000000"/>
-                </a:solidFill>
-                <a:latin typeface="Menlo" panose="020B0609030804020204" pitchFamily="49" charset="0"/>
-              </a:rPr>
-              <a:t> - </a:t>
+              <a:rPr lang="en" altLang="zh-CN">
+                <a:solidFill>
+                  <a:srgbClr val="000000"/>
+                </a:solidFill>
+                <a:latin typeface="Menlo" panose="020B0609030804020204" pitchFamily="49" charset="0"/>
+              </a:rPr>
+              <a:t> + </a:t>
             </a:r>
             <a:r>
               <a:rPr lang="en" altLang="zh-CN" dirty="0">
@@ -9857,7 +9857,7 @@
     </p:spTree>
     <p:extLst>
       <p:ext uri="{BB962C8B-B14F-4D97-AF65-F5344CB8AC3E}">
-        <p14:creationId xmlns:p14="http://schemas.microsoft.com/office/powerpoint/2010/main" val="4181100889"/>
+        <p14:creationId xmlns:p14="http://schemas.microsoft.com/office/powerpoint/2010/main" val="4064938360"/>
       </p:ext>
     </p:extLst>
   </p:cSld>

--- a/week14/Lecture14.pptx
+++ b/week14/Lecture14.pptx
@@ -218,7 +218,7 @@
           <a:p>
             <a:fld id="{634F3F22-B4BB-3F48-9180-464A9F2D66D1}" type="datetimeFigureOut">
               <a:rPr kumimoji="1" lang="zh-CN" altLang="en-US" smtClean="0"/>
-              <a:t>2021/12/14</a:t>
+              <a:t>2022/12/14</a:t>
             </a:fld>
             <a:endParaRPr kumimoji="1" lang="zh-CN" altLang="en-US"/>
           </a:p>
@@ -698,7 +698,7 @@
           <a:p>
             <a:fld id="{FC19A4FA-3D9A-4114-B0D5-759CBD56F1AB}" type="datetimeFigureOut">
               <a:rPr lang="zh-CN" altLang="en-US" smtClean="0"/>
-              <a:t>2021/12/14</a:t>
+              <a:t>2022/12/14</a:t>
             </a:fld>
             <a:endParaRPr lang="zh-CN" altLang="en-US"/>
           </a:p>
@@ -901,7 +901,7 @@
           <a:p>
             <a:fld id="{FC19A4FA-3D9A-4114-B0D5-759CBD56F1AB}" type="datetimeFigureOut">
               <a:rPr lang="zh-CN" altLang="en-US" smtClean="0"/>
-              <a:t>2021/12/14</a:t>
+              <a:t>2022/12/14</a:t>
             </a:fld>
             <a:endParaRPr lang="zh-CN" altLang="en-US"/>
           </a:p>
@@ -1079,7 +1079,7 @@
           <a:p>
             <a:fld id="{FC19A4FA-3D9A-4114-B0D5-759CBD56F1AB}" type="datetimeFigureOut">
               <a:rPr lang="zh-CN" altLang="en-US" smtClean="0"/>
-              <a:t>2021/12/14</a:t>
+              <a:t>2022/12/14</a:t>
             </a:fld>
             <a:endParaRPr lang="zh-CN" altLang="en-US"/>
           </a:p>
@@ -1303,7 +1303,7 @@
           <a:p>
             <a:fld id="{FC19A4FA-3D9A-4114-B0D5-759CBD56F1AB}" type="datetimeFigureOut">
               <a:rPr lang="zh-CN" altLang="en-US" smtClean="0"/>
-              <a:t>2021/12/14</a:t>
+              <a:t>2022/12/14</a:t>
             </a:fld>
             <a:endParaRPr lang="zh-CN" altLang="en-US"/>
           </a:p>
@@ -1537,7 +1537,7 @@
           <a:p>
             <a:fld id="{FC19A4FA-3D9A-4114-B0D5-759CBD56F1AB}" type="datetimeFigureOut">
               <a:rPr lang="zh-CN" altLang="en-US" smtClean="0"/>
-              <a:t>2021/12/14</a:t>
+              <a:t>2022/12/14</a:t>
             </a:fld>
             <a:endParaRPr lang="zh-CN" altLang="en-US"/>
           </a:p>
@@ -1936,7 +1936,7 @@
           <a:p>
             <a:fld id="{FC19A4FA-3D9A-4114-B0D5-759CBD56F1AB}" type="datetimeFigureOut">
               <a:rPr lang="zh-CN" altLang="en-US" smtClean="0"/>
-              <a:t>2021/12/14</a:t>
+              <a:t>2022/12/14</a:t>
             </a:fld>
             <a:endParaRPr lang="zh-CN" altLang="en-US"/>
           </a:p>
@@ -2216,7 +2216,7 @@
           <a:p>
             <a:fld id="{FC19A4FA-3D9A-4114-B0D5-759CBD56F1AB}" type="datetimeFigureOut">
               <a:rPr lang="zh-CN" altLang="en-US" smtClean="0"/>
-              <a:t>2021/12/14</a:t>
+              <a:t>2022/12/14</a:t>
             </a:fld>
             <a:endParaRPr lang="zh-CN" altLang="en-US"/>
           </a:p>
@@ -2368,7 +2368,7 @@
           <a:p>
             <a:fld id="{FC19A4FA-3D9A-4114-B0D5-759CBD56F1AB}" type="datetimeFigureOut">
               <a:rPr lang="zh-CN" altLang="en-US" smtClean="0"/>
-              <a:t>2021/12/14</a:t>
+              <a:t>2022/12/14</a:t>
             </a:fld>
             <a:endParaRPr lang="zh-CN" altLang="en-US"/>
           </a:p>
@@ -2498,7 +2498,7 @@
           <a:p>
             <a:fld id="{FC19A4FA-3D9A-4114-B0D5-759CBD56F1AB}" type="datetimeFigureOut">
               <a:rPr lang="zh-CN" altLang="en-US" smtClean="0"/>
-              <a:t>2021/12/14</a:t>
+              <a:t>2022/12/14</a:t>
             </a:fld>
             <a:endParaRPr lang="zh-CN" altLang="en-US"/>
           </a:p>
@@ -2808,7 +2808,7 @@
           <a:p>
             <a:fld id="{FC19A4FA-3D9A-4114-B0D5-759CBD56F1AB}" type="datetimeFigureOut">
               <a:rPr lang="zh-CN" altLang="en-US" smtClean="0"/>
-              <a:t>2021/12/14</a:t>
+              <a:t>2022/12/14</a:t>
             </a:fld>
             <a:endParaRPr lang="zh-CN" altLang="en-US"/>
           </a:p>
@@ -3095,7 +3095,7 @@
           <a:p>
             <a:fld id="{FC19A4FA-3D9A-4114-B0D5-759CBD56F1AB}" type="datetimeFigureOut">
               <a:rPr lang="zh-CN" altLang="en-US" smtClean="0"/>
-              <a:t>2021/12/14</a:t>
+              <a:t>2022/12/14</a:t>
             </a:fld>
             <a:endParaRPr lang="zh-CN" altLang="en-US"/>
           </a:p>
@@ -3388,7 +3388,7 @@
           <a:p>
             <a:fld id="{FC19A4FA-3D9A-4114-B0D5-759CBD56F1AB}" type="datetimeFigureOut">
               <a:rPr lang="zh-CN" altLang="en-US" smtClean="0"/>
-              <a:t>2021/12/14</a:t>
+              <a:t>2022/12/14</a:t>
             </a:fld>
             <a:endParaRPr lang="zh-CN" altLang="en-US"/>
           </a:p>
@@ -11404,7 +11404,7 @@
             </a:r>
             <a:r>
               <a:rPr kumimoji="1" lang="en-US" altLang="zh-CN" dirty="0"/>
-              <a:t>is a class which can be a base class to any exception.</a:t>
+              <a:t>is a class that can be a base class for any exception.</a:t>
             </a:r>
           </a:p>
           <a:p>
@@ -11436,15 +11436,7 @@
             </a:r>
             <a:r>
               <a:rPr kumimoji="1" lang="en-US" altLang="zh-CN" dirty="0"/>
-              <a:t> can be </a:t>
-            </a:r>
-            <a:r>
-              <a:rPr kumimoji="1" lang="en-US" altLang="zh-CN" dirty="0" err="1"/>
-              <a:t>overided</a:t>
-            </a:r>
-            <a:r>
-              <a:rPr kumimoji="1" lang="en-US" altLang="zh-CN" dirty="0"/>
-              <a:t> to return a C-style string message.</a:t>
+              <a:t> can be overridden to return a C-style string message.</a:t>
             </a:r>
             <a:endParaRPr kumimoji="1" lang="zh-CN" altLang="en-US" dirty="0"/>
           </a:p>

--- a/week14/Lecture14.pptx
+++ b/week14/Lecture14.pptx
@@ -218,7 +218,7 @@
           <a:p>
             <a:fld id="{634F3F22-B4BB-3F48-9180-464A9F2D66D1}" type="datetimeFigureOut">
               <a:rPr kumimoji="1" lang="zh-CN" altLang="en-US" smtClean="0"/>
-              <a:t>2022/12/14</a:t>
+              <a:t>2025/5/27</a:t>
             </a:fld>
             <a:endParaRPr kumimoji="1" lang="zh-CN" altLang="en-US"/>
           </a:p>
@@ -698,7 +698,7 @@
           <a:p>
             <a:fld id="{FC19A4FA-3D9A-4114-B0D5-759CBD56F1AB}" type="datetimeFigureOut">
               <a:rPr lang="zh-CN" altLang="en-US" smtClean="0"/>
-              <a:t>2022/12/14</a:t>
+              <a:t>2025/5/27</a:t>
             </a:fld>
             <a:endParaRPr lang="zh-CN" altLang="en-US"/>
           </a:p>
@@ -901,7 +901,7 @@
           <a:p>
             <a:fld id="{FC19A4FA-3D9A-4114-B0D5-759CBD56F1AB}" type="datetimeFigureOut">
               <a:rPr lang="zh-CN" altLang="en-US" smtClean="0"/>
-              <a:t>2022/12/14</a:t>
+              <a:t>2025/5/27</a:t>
             </a:fld>
             <a:endParaRPr lang="zh-CN" altLang="en-US"/>
           </a:p>
@@ -1079,7 +1079,7 @@
           <a:p>
             <a:fld id="{FC19A4FA-3D9A-4114-B0D5-759CBD56F1AB}" type="datetimeFigureOut">
               <a:rPr lang="zh-CN" altLang="en-US" smtClean="0"/>
-              <a:t>2022/12/14</a:t>
+              <a:t>2025/5/27</a:t>
             </a:fld>
             <a:endParaRPr lang="zh-CN" altLang="en-US"/>
           </a:p>
@@ -1303,7 +1303,7 @@
           <a:p>
             <a:fld id="{FC19A4FA-3D9A-4114-B0D5-759CBD56F1AB}" type="datetimeFigureOut">
               <a:rPr lang="zh-CN" altLang="en-US" smtClean="0"/>
-              <a:t>2022/12/14</a:t>
+              <a:t>2025/5/27</a:t>
             </a:fld>
             <a:endParaRPr lang="zh-CN" altLang="en-US"/>
           </a:p>
@@ -1537,7 +1537,7 @@
           <a:p>
             <a:fld id="{FC19A4FA-3D9A-4114-B0D5-759CBD56F1AB}" type="datetimeFigureOut">
               <a:rPr lang="zh-CN" altLang="en-US" smtClean="0"/>
-              <a:t>2022/12/14</a:t>
+              <a:t>2025/5/27</a:t>
             </a:fld>
             <a:endParaRPr lang="zh-CN" altLang="en-US"/>
           </a:p>
@@ -1936,7 +1936,7 @@
           <a:p>
             <a:fld id="{FC19A4FA-3D9A-4114-B0D5-759CBD56F1AB}" type="datetimeFigureOut">
               <a:rPr lang="zh-CN" altLang="en-US" smtClean="0"/>
-              <a:t>2022/12/14</a:t>
+              <a:t>2025/5/27</a:t>
             </a:fld>
             <a:endParaRPr lang="zh-CN" altLang="en-US"/>
           </a:p>
@@ -2216,7 +2216,7 @@
           <a:p>
             <a:fld id="{FC19A4FA-3D9A-4114-B0D5-759CBD56F1AB}" type="datetimeFigureOut">
               <a:rPr lang="zh-CN" altLang="en-US" smtClean="0"/>
-              <a:t>2022/12/14</a:t>
+              <a:t>2025/5/27</a:t>
             </a:fld>
             <a:endParaRPr lang="zh-CN" altLang="en-US"/>
           </a:p>
@@ -2368,7 +2368,7 @@
           <a:p>
             <a:fld id="{FC19A4FA-3D9A-4114-B0D5-759CBD56F1AB}" type="datetimeFigureOut">
               <a:rPr lang="zh-CN" altLang="en-US" smtClean="0"/>
-              <a:t>2022/12/14</a:t>
+              <a:t>2025/5/27</a:t>
             </a:fld>
             <a:endParaRPr lang="zh-CN" altLang="en-US"/>
           </a:p>
@@ -2498,7 +2498,7 @@
           <a:p>
             <a:fld id="{FC19A4FA-3D9A-4114-B0D5-759CBD56F1AB}" type="datetimeFigureOut">
               <a:rPr lang="zh-CN" altLang="en-US" smtClean="0"/>
-              <a:t>2022/12/14</a:t>
+              <a:t>2025/5/27</a:t>
             </a:fld>
             <a:endParaRPr lang="zh-CN" altLang="en-US"/>
           </a:p>
@@ -2808,7 +2808,7 @@
           <a:p>
             <a:fld id="{FC19A4FA-3D9A-4114-B0D5-759CBD56F1AB}" type="datetimeFigureOut">
               <a:rPr lang="zh-CN" altLang="en-US" smtClean="0"/>
-              <a:t>2022/12/14</a:t>
+              <a:t>2025/5/27</a:t>
             </a:fld>
             <a:endParaRPr lang="zh-CN" altLang="en-US"/>
           </a:p>
@@ -3095,7 +3095,7 @@
           <a:p>
             <a:fld id="{FC19A4FA-3D9A-4114-B0D5-759CBD56F1AB}" type="datetimeFigureOut">
               <a:rPr lang="zh-CN" altLang="en-US" smtClean="0"/>
-              <a:t>2022/12/14</a:t>
+              <a:t>2025/5/27</a:t>
             </a:fld>
             <a:endParaRPr lang="zh-CN" altLang="en-US"/>
           </a:p>
@@ -3388,7 +3388,7 @@
           <a:p>
             <a:fld id="{FC19A4FA-3D9A-4114-B0D5-759CBD56F1AB}" type="datetimeFigureOut">
               <a:rPr lang="zh-CN" altLang="en-US" smtClean="0"/>
-              <a:t>2022/12/14</a:t>
+              <a:t>2025/5/27</a:t>
             </a:fld>
             <a:endParaRPr lang="zh-CN" altLang="en-US"/>
           </a:p>
@@ -3818,20 +3818,23 @@
             <a:r>
               <a:rPr lang="en-US" altLang="zh-CN" b="1" dirty="0">
                 <a:latin typeface="Franklin Gothic Demi" panose="020B0703020102020204" pitchFamily="34" charset="0"/>
-              </a:rPr>
-              <a:t>C/C++</a:t>
+                <a:sym typeface="+mn-ea"/>
+              </a:rPr>
+              <a:t>Advanced</a:t>
             </a:r>
             <a:r>
               <a:rPr lang="zh-CN" altLang="en-US" b="1" dirty="0">
                 <a:latin typeface="Franklin Gothic Demi" panose="020B0703020102020204" pitchFamily="34" charset="0"/>
+                <a:sym typeface="+mn-ea"/>
               </a:rPr>
               <a:t> </a:t>
             </a:r>
             <a:r>
               <a:rPr lang="en-US" altLang="zh-CN" b="1" dirty="0">
                 <a:latin typeface="Franklin Gothic Demi" panose="020B0703020102020204" pitchFamily="34" charset="0"/>
-              </a:rPr>
-              <a:t>Program Design</a:t>
+                <a:sym typeface="+mn-ea"/>
+              </a:rPr>
+              <a:t>Programming</a:t>
             </a:r>
             <a:endParaRPr lang="zh-CN" altLang="en-US" b="1" dirty="0">
               <a:latin typeface="Franklin Gothic Demi" panose="020B0703020102020204" pitchFamily="34" charset="0"/>
@@ -3861,12 +3864,9 @@
           </a:bodyPr>
           <a:lstStyle/>
           <a:p>
-            <a:r>
-              <a:rPr lang="en-US" altLang="zh-CN" sz="3600" dirty="0">
-                <a:latin typeface="Franklin Gothic Medium" panose="020B0603020102020204" pitchFamily="34" charset="0"/>
-              </a:rPr>
-              <a:t>CS205</a:t>
-            </a:r>
+            <a:endParaRPr lang="en-US" altLang="zh-CN" sz="3600" dirty="0">
+              <a:latin typeface="Franklin Gothic Medium" panose="020B0603020102020204" pitchFamily="34" charset="0"/>
+            </a:endParaRPr>
           </a:p>
           <a:p>
             <a:endParaRPr lang="en-US" altLang="zh-CN" dirty="0">
